--- a/CSI3010 Data Warehousing Data Mining/reference materials/module-5 cluster analysis and outlier analysis/21_Oulier Analysis in Clustering.pptx
+++ b/CSI3010 Data Warehousing Data Mining/reference materials/module-5 cluster analysis and outlier analysis/21_Oulier Analysis in Clustering.pptx
@@ -216,7 +216,7 @@
           <a:p>
             <a:fld id="{AA4BDA8C-820C-459C-9AC3-513B5DFE5A4F}" type="datetimeFigureOut">
               <a:rPr lang="en-IN" smtClean="0"/>
-              <a:t>14-03-2022</a:t>
+              <a:t>02/04/22</a:t>
             </a:fld>
             <a:endParaRPr lang="en-IN"/>
           </a:p>
@@ -280,35 +280,35 @@
           <a:p>
             <a:pPr lvl="0"/>
             <a:r>
-              <a:rPr lang="en-US" smtClean="0"/>
+              <a:rPr lang="en-US"/>
               <a:t>Click to edit Master text styles</a:t>
             </a:r>
           </a:p>
           <a:p>
             <a:pPr lvl="1"/>
             <a:r>
-              <a:rPr lang="en-US" smtClean="0"/>
+              <a:rPr lang="en-US"/>
               <a:t>Second level</a:t>
             </a:r>
           </a:p>
           <a:p>
             <a:pPr lvl="2"/>
             <a:r>
-              <a:rPr lang="en-US" smtClean="0"/>
+              <a:rPr lang="en-US"/>
               <a:t>Third level</a:t>
             </a:r>
           </a:p>
           <a:p>
             <a:pPr lvl="3"/>
             <a:r>
-              <a:rPr lang="en-US" smtClean="0"/>
+              <a:rPr lang="en-US"/>
               <a:t>Fourth level</a:t>
             </a:r>
           </a:p>
           <a:p>
             <a:pPr lvl="4"/>
             <a:r>
-              <a:rPr lang="en-US" smtClean="0"/>
+              <a:rPr lang="en-US"/>
               <a:t>Fifth level</a:t>
             </a:r>
             <a:endParaRPr lang="en-IN"/>
@@ -522,10 +522,9 @@
           <a:lstStyle/>
           <a:p>
             <a:r>
-              <a:rPr lang="en-US" smtClean="0"/>
+              <a:rPr lang="en-US"/>
               <a:t>Click to edit Master title style</a:t>
             </a:r>
-            <a:endParaRPr lang="en-US"/>
           </a:p>
         </p:txBody>
       </p:sp>
@@ -641,10 +640,9 @@
           </a:lstStyle>
           <a:p>
             <a:r>
-              <a:rPr lang="en-US" smtClean="0"/>
+              <a:rPr lang="en-US"/>
               <a:t>Click to edit Master subtitle style</a:t>
             </a:r>
-            <a:endParaRPr lang="en-US"/>
           </a:p>
         </p:txBody>
       </p:sp>
@@ -672,7 +670,7 @@
                 </a:solidFill>
               </a:rPr>
               <a:pPr/>
-              <a:t>3/14/2022</a:t>
+              <a:t>4/2/22</a:t>
             </a:fld>
             <a:endParaRPr lang="en-US">
               <a:solidFill>
@@ -791,10 +789,9 @@
           <a:lstStyle/>
           <a:p>
             <a:r>
-              <a:rPr lang="en-US" smtClean="0"/>
+              <a:rPr lang="en-US"/>
               <a:t>Click to edit Master title style</a:t>
             </a:r>
-            <a:endParaRPr lang="en-US"/>
           </a:p>
         </p:txBody>
       </p:sp>
@@ -815,38 +812,37 @@
           <a:p>
             <a:pPr lvl="0"/>
             <a:r>
-              <a:rPr lang="en-US" smtClean="0"/>
+              <a:rPr lang="en-US"/>
               <a:t>Click to edit Master text styles</a:t>
             </a:r>
           </a:p>
           <a:p>
             <a:pPr lvl="1"/>
             <a:r>
-              <a:rPr lang="en-US" smtClean="0"/>
+              <a:rPr lang="en-US"/>
               <a:t>Second level</a:t>
             </a:r>
           </a:p>
           <a:p>
             <a:pPr lvl="2"/>
             <a:r>
-              <a:rPr lang="en-US" smtClean="0"/>
+              <a:rPr lang="en-US"/>
               <a:t>Third level</a:t>
             </a:r>
           </a:p>
           <a:p>
             <a:pPr lvl="3"/>
             <a:r>
-              <a:rPr lang="en-US" smtClean="0"/>
+              <a:rPr lang="en-US"/>
               <a:t>Fourth level</a:t>
             </a:r>
           </a:p>
           <a:p>
             <a:pPr lvl="4"/>
             <a:r>
-              <a:rPr lang="en-US" smtClean="0"/>
+              <a:rPr lang="en-US"/>
               <a:t>Fifth level</a:t>
             </a:r>
-            <a:endParaRPr lang="en-US"/>
           </a:p>
         </p:txBody>
       </p:sp>
@@ -874,7 +870,7 @@
                 </a:solidFill>
               </a:rPr>
               <a:pPr/>
-              <a:t>3/14/2022</a:t>
+              <a:t>4/2/22</a:t>
             </a:fld>
             <a:endParaRPr lang="en-US">
               <a:solidFill>
@@ -998,10 +994,9 @@
           <a:lstStyle/>
           <a:p>
             <a:r>
-              <a:rPr lang="en-US" smtClean="0"/>
+              <a:rPr lang="en-US"/>
               <a:t>Click to edit Master title style</a:t>
             </a:r>
-            <a:endParaRPr lang="en-US"/>
           </a:p>
         </p:txBody>
       </p:sp>
@@ -1027,38 +1022,37 @@
           <a:p>
             <a:pPr lvl="0"/>
             <a:r>
-              <a:rPr lang="en-US" smtClean="0"/>
+              <a:rPr lang="en-US"/>
               <a:t>Click to edit Master text styles</a:t>
             </a:r>
           </a:p>
           <a:p>
             <a:pPr lvl="1"/>
             <a:r>
-              <a:rPr lang="en-US" smtClean="0"/>
+              <a:rPr lang="en-US"/>
               <a:t>Second level</a:t>
             </a:r>
           </a:p>
           <a:p>
             <a:pPr lvl="2"/>
             <a:r>
-              <a:rPr lang="en-US" smtClean="0"/>
+              <a:rPr lang="en-US"/>
               <a:t>Third level</a:t>
             </a:r>
           </a:p>
           <a:p>
             <a:pPr lvl="3"/>
             <a:r>
-              <a:rPr lang="en-US" smtClean="0"/>
+              <a:rPr lang="en-US"/>
               <a:t>Fourth level</a:t>
             </a:r>
           </a:p>
           <a:p>
             <a:pPr lvl="4"/>
             <a:r>
-              <a:rPr lang="en-US" smtClean="0"/>
+              <a:rPr lang="en-US"/>
               <a:t>Fifth level</a:t>
             </a:r>
-            <a:endParaRPr lang="en-US"/>
           </a:p>
         </p:txBody>
       </p:sp>
@@ -1086,7 +1080,7 @@
                 </a:solidFill>
               </a:rPr>
               <a:pPr/>
-              <a:t>3/14/2022</a:t>
+              <a:t>4/2/22</a:t>
             </a:fld>
             <a:endParaRPr lang="en-US">
               <a:solidFill>
@@ -1210,10 +1204,9 @@
           <a:lstStyle/>
           <a:p>
             <a:r>
-              <a:rPr lang="en-US" smtClean="0"/>
+              <a:rPr lang="en-US"/>
               <a:t>Click to edit Master title style</a:t>
             </a:r>
-            <a:endParaRPr lang="en-US"/>
           </a:p>
         </p:txBody>
       </p:sp>
@@ -1264,38 +1257,37 @@
           <a:p>
             <a:pPr lvl="0"/>
             <a:r>
-              <a:rPr lang="en-US" smtClean="0"/>
+              <a:rPr lang="en-US"/>
               <a:t>Click to edit Master text styles</a:t>
             </a:r>
           </a:p>
           <a:p>
             <a:pPr lvl="1"/>
             <a:r>
-              <a:rPr lang="en-US" smtClean="0"/>
+              <a:rPr lang="en-US"/>
               <a:t>Second level</a:t>
             </a:r>
           </a:p>
           <a:p>
             <a:pPr lvl="2"/>
             <a:r>
-              <a:rPr lang="en-US" smtClean="0"/>
+              <a:rPr lang="en-US"/>
               <a:t>Third level</a:t>
             </a:r>
           </a:p>
           <a:p>
             <a:pPr lvl="3"/>
             <a:r>
-              <a:rPr lang="en-US" smtClean="0"/>
+              <a:rPr lang="en-US"/>
               <a:t>Fourth level</a:t>
             </a:r>
           </a:p>
           <a:p>
             <a:pPr lvl="4"/>
             <a:r>
-              <a:rPr lang="en-US" smtClean="0"/>
+              <a:rPr lang="en-US"/>
               <a:t>Fifth level</a:t>
             </a:r>
-            <a:endParaRPr lang="en-US"/>
           </a:p>
         </p:txBody>
       </p:sp>
@@ -1460,10 +1452,9 @@
           <a:lstStyle/>
           <a:p>
             <a:r>
-              <a:rPr lang="en-US" smtClean="0"/>
+              <a:rPr lang="en-US"/>
               <a:t>Click to edit Master title style</a:t>
             </a:r>
-            <a:endParaRPr lang="en-US"/>
           </a:p>
         </p:txBody>
       </p:sp>
@@ -1484,38 +1475,37 @@
           <a:p>
             <a:pPr lvl="0"/>
             <a:r>
-              <a:rPr lang="en-US" smtClean="0"/>
+              <a:rPr lang="en-US"/>
               <a:t>Click to edit Master text styles</a:t>
             </a:r>
           </a:p>
           <a:p>
             <a:pPr lvl="1"/>
             <a:r>
-              <a:rPr lang="en-US" smtClean="0"/>
+              <a:rPr lang="en-US"/>
               <a:t>Second level</a:t>
             </a:r>
           </a:p>
           <a:p>
             <a:pPr lvl="2"/>
             <a:r>
-              <a:rPr lang="en-US" smtClean="0"/>
+              <a:rPr lang="en-US"/>
               <a:t>Third level</a:t>
             </a:r>
           </a:p>
           <a:p>
             <a:pPr lvl="3"/>
             <a:r>
-              <a:rPr lang="en-US" smtClean="0"/>
+              <a:rPr lang="en-US"/>
               <a:t>Fourth level</a:t>
             </a:r>
           </a:p>
           <a:p>
             <a:pPr lvl="4"/>
             <a:r>
-              <a:rPr lang="en-US" smtClean="0"/>
+              <a:rPr lang="en-US"/>
               <a:t>Fifth level</a:t>
             </a:r>
-            <a:endParaRPr lang="en-US"/>
           </a:p>
         </p:txBody>
       </p:sp>
@@ -1543,7 +1533,7 @@
                 </a:solidFill>
               </a:rPr>
               <a:pPr/>
-              <a:t>3/14/2022</a:t>
+              <a:t>4/2/22</a:t>
             </a:fld>
             <a:endParaRPr lang="en-US">
               <a:solidFill>
@@ -1671,10 +1661,9 @@
           </a:lstStyle>
           <a:p>
             <a:r>
-              <a:rPr lang="en-US" smtClean="0"/>
+              <a:rPr lang="en-US"/>
               <a:t>Click to edit Master title style</a:t>
             </a:r>
-            <a:endParaRPr lang="en-US"/>
           </a:p>
         </p:txBody>
       </p:sp>
@@ -1791,7 +1780,7 @@
           <a:p>
             <a:pPr lvl="0"/>
             <a:r>
-              <a:rPr lang="en-US" smtClean="0"/>
+              <a:rPr lang="en-US"/>
               <a:t>Click to edit Master text styles</a:t>
             </a:r>
           </a:p>
@@ -1821,7 +1810,7 @@
                 </a:solidFill>
               </a:rPr>
               <a:pPr/>
-              <a:t>3/14/2022</a:t>
+              <a:t>4/2/22</a:t>
             </a:fld>
             <a:endParaRPr lang="en-US">
               <a:solidFill>
@@ -1940,10 +1929,9 @@
           <a:lstStyle/>
           <a:p>
             <a:r>
-              <a:rPr lang="en-US" smtClean="0"/>
+              <a:rPr lang="en-US"/>
               <a:t>Click to edit Master title style</a:t>
             </a:r>
-            <a:endParaRPr lang="en-US"/>
           </a:p>
         </p:txBody>
       </p:sp>
@@ -1997,38 +1985,37 @@
           <a:p>
             <a:pPr lvl="0"/>
             <a:r>
-              <a:rPr lang="en-US" smtClean="0"/>
+              <a:rPr lang="en-US"/>
               <a:t>Click to edit Master text styles</a:t>
             </a:r>
           </a:p>
           <a:p>
             <a:pPr lvl="1"/>
             <a:r>
-              <a:rPr lang="en-US" smtClean="0"/>
+              <a:rPr lang="en-US"/>
               <a:t>Second level</a:t>
             </a:r>
           </a:p>
           <a:p>
             <a:pPr lvl="2"/>
             <a:r>
-              <a:rPr lang="en-US" smtClean="0"/>
+              <a:rPr lang="en-US"/>
               <a:t>Third level</a:t>
             </a:r>
           </a:p>
           <a:p>
             <a:pPr lvl="3"/>
             <a:r>
-              <a:rPr lang="en-US" smtClean="0"/>
+              <a:rPr lang="en-US"/>
               <a:t>Fourth level</a:t>
             </a:r>
           </a:p>
           <a:p>
             <a:pPr lvl="4"/>
             <a:r>
-              <a:rPr lang="en-US" smtClean="0"/>
+              <a:rPr lang="en-US"/>
               <a:t>Fifth level</a:t>
             </a:r>
-            <a:endParaRPr lang="en-US"/>
           </a:p>
         </p:txBody>
       </p:sp>
@@ -2082,38 +2069,37 @@
           <a:p>
             <a:pPr lvl="0"/>
             <a:r>
-              <a:rPr lang="en-US" smtClean="0"/>
+              <a:rPr lang="en-US"/>
               <a:t>Click to edit Master text styles</a:t>
             </a:r>
           </a:p>
           <a:p>
             <a:pPr lvl="1"/>
             <a:r>
-              <a:rPr lang="en-US" smtClean="0"/>
+              <a:rPr lang="en-US"/>
               <a:t>Second level</a:t>
             </a:r>
           </a:p>
           <a:p>
             <a:pPr lvl="2"/>
             <a:r>
-              <a:rPr lang="en-US" smtClean="0"/>
+              <a:rPr lang="en-US"/>
               <a:t>Third level</a:t>
             </a:r>
           </a:p>
           <a:p>
             <a:pPr lvl="3"/>
             <a:r>
-              <a:rPr lang="en-US" smtClean="0"/>
+              <a:rPr lang="en-US"/>
               <a:t>Fourth level</a:t>
             </a:r>
           </a:p>
           <a:p>
             <a:pPr lvl="4"/>
             <a:r>
-              <a:rPr lang="en-US" smtClean="0"/>
+              <a:rPr lang="en-US"/>
               <a:t>Fifth level</a:t>
             </a:r>
-            <a:endParaRPr lang="en-US"/>
           </a:p>
         </p:txBody>
       </p:sp>
@@ -2141,7 +2127,7 @@
                 </a:solidFill>
               </a:rPr>
               <a:pPr/>
-              <a:t>3/14/2022</a:t>
+              <a:t>4/2/22</a:t>
             </a:fld>
             <a:endParaRPr lang="en-US">
               <a:solidFill>
@@ -2264,10 +2250,9 @@
           </a:lstStyle>
           <a:p>
             <a:r>
-              <a:rPr lang="en-US" smtClean="0"/>
+              <a:rPr lang="en-US"/>
               <a:t>Click to edit Master title style</a:t>
             </a:r>
-            <a:endParaRPr lang="en-US"/>
           </a:p>
         </p:txBody>
       </p:sp>
@@ -2330,7 +2315,7 @@
           <a:p>
             <a:pPr lvl="0"/>
             <a:r>
-              <a:rPr lang="en-US" smtClean="0"/>
+              <a:rPr lang="en-US"/>
               <a:t>Click to edit Master text styles</a:t>
             </a:r>
           </a:p>
@@ -2386,38 +2371,37 @@
           <a:p>
             <a:pPr lvl="0"/>
             <a:r>
-              <a:rPr lang="en-US" smtClean="0"/>
+              <a:rPr lang="en-US"/>
               <a:t>Click to edit Master text styles</a:t>
             </a:r>
           </a:p>
           <a:p>
             <a:pPr lvl="1"/>
             <a:r>
-              <a:rPr lang="en-US" smtClean="0"/>
+              <a:rPr lang="en-US"/>
               <a:t>Second level</a:t>
             </a:r>
           </a:p>
           <a:p>
             <a:pPr lvl="2"/>
             <a:r>
-              <a:rPr lang="en-US" smtClean="0"/>
+              <a:rPr lang="en-US"/>
               <a:t>Third level</a:t>
             </a:r>
           </a:p>
           <a:p>
             <a:pPr lvl="3"/>
             <a:r>
-              <a:rPr lang="en-US" smtClean="0"/>
+              <a:rPr lang="en-US"/>
               <a:t>Fourth level</a:t>
             </a:r>
           </a:p>
           <a:p>
             <a:pPr lvl="4"/>
             <a:r>
-              <a:rPr lang="en-US" smtClean="0"/>
+              <a:rPr lang="en-US"/>
               <a:t>Fifth level</a:t>
             </a:r>
-            <a:endParaRPr lang="en-US"/>
           </a:p>
         </p:txBody>
       </p:sp>
@@ -2480,7 +2464,7 @@
           <a:p>
             <a:pPr lvl="0"/>
             <a:r>
-              <a:rPr lang="en-US" smtClean="0"/>
+              <a:rPr lang="en-US"/>
               <a:t>Click to edit Master text styles</a:t>
             </a:r>
           </a:p>
@@ -2536,38 +2520,37 @@
           <a:p>
             <a:pPr lvl="0"/>
             <a:r>
-              <a:rPr lang="en-US" smtClean="0"/>
+              <a:rPr lang="en-US"/>
               <a:t>Click to edit Master text styles</a:t>
             </a:r>
           </a:p>
           <a:p>
             <a:pPr lvl="1"/>
             <a:r>
-              <a:rPr lang="en-US" smtClean="0"/>
+              <a:rPr lang="en-US"/>
               <a:t>Second level</a:t>
             </a:r>
           </a:p>
           <a:p>
             <a:pPr lvl="2"/>
             <a:r>
-              <a:rPr lang="en-US" smtClean="0"/>
+              <a:rPr lang="en-US"/>
               <a:t>Third level</a:t>
             </a:r>
           </a:p>
           <a:p>
             <a:pPr lvl="3"/>
             <a:r>
-              <a:rPr lang="en-US" smtClean="0"/>
+              <a:rPr lang="en-US"/>
               <a:t>Fourth level</a:t>
             </a:r>
           </a:p>
           <a:p>
             <a:pPr lvl="4"/>
             <a:r>
-              <a:rPr lang="en-US" smtClean="0"/>
+              <a:rPr lang="en-US"/>
               <a:t>Fifth level</a:t>
             </a:r>
-            <a:endParaRPr lang="en-US"/>
           </a:p>
         </p:txBody>
       </p:sp>
@@ -2595,7 +2578,7 @@
                 </a:solidFill>
               </a:rPr>
               <a:pPr/>
-              <a:t>3/14/2022</a:t>
+              <a:t>4/2/22</a:t>
             </a:fld>
             <a:endParaRPr lang="en-US">
               <a:solidFill>
@@ -2714,10 +2697,9 @@
           <a:lstStyle/>
           <a:p>
             <a:r>
-              <a:rPr lang="en-US" smtClean="0"/>
+              <a:rPr lang="en-US"/>
               <a:t>Click to edit Master title style</a:t>
             </a:r>
-            <a:endParaRPr lang="en-US"/>
           </a:p>
         </p:txBody>
       </p:sp>
@@ -2745,7 +2727,7 @@
                 </a:solidFill>
               </a:rPr>
               <a:pPr/>
-              <a:t>3/14/2022</a:t>
+              <a:t>4/2/22</a:t>
             </a:fld>
             <a:endParaRPr lang="en-US">
               <a:solidFill>
@@ -2872,7 +2854,7 @@
                 </a:solidFill>
               </a:rPr>
               <a:pPr/>
-              <a:t>3/14/2022</a:t>
+              <a:t>4/2/22</a:t>
             </a:fld>
             <a:endParaRPr lang="en-US">
               <a:solidFill>
@@ -3000,10 +2982,9 @@
           </a:lstStyle>
           <a:p>
             <a:r>
-              <a:rPr lang="en-US" smtClean="0"/>
+              <a:rPr lang="en-US"/>
               <a:t>Click to edit Master title style</a:t>
             </a:r>
-            <a:endParaRPr lang="en-US"/>
           </a:p>
         </p:txBody>
       </p:sp>
@@ -3057,38 +3038,37 @@
           <a:p>
             <a:pPr lvl="0"/>
             <a:r>
-              <a:rPr lang="en-US" smtClean="0"/>
+              <a:rPr lang="en-US"/>
               <a:t>Click to edit Master text styles</a:t>
             </a:r>
           </a:p>
           <a:p>
             <a:pPr lvl="1"/>
             <a:r>
-              <a:rPr lang="en-US" smtClean="0"/>
+              <a:rPr lang="en-US"/>
               <a:t>Second level</a:t>
             </a:r>
           </a:p>
           <a:p>
             <a:pPr lvl="2"/>
             <a:r>
-              <a:rPr lang="en-US" smtClean="0"/>
+              <a:rPr lang="en-US"/>
               <a:t>Third level</a:t>
             </a:r>
           </a:p>
           <a:p>
             <a:pPr lvl="3"/>
             <a:r>
-              <a:rPr lang="en-US" smtClean="0"/>
+              <a:rPr lang="en-US"/>
               <a:t>Fourth level</a:t>
             </a:r>
           </a:p>
           <a:p>
             <a:pPr lvl="4"/>
             <a:r>
-              <a:rPr lang="en-US" smtClean="0"/>
+              <a:rPr lang="en-US"/>
               <a:t>Fifth level</a:t>
             </a:r>
-            <a:endParaRPr lang="en-US"/>
           </a:p>
         </p:txBody>
       </p:sp>
@@ -3151,7 +3131,7 @@
           <a:p>
             <a:pPr lvl="0"/>
             <a:r>
-              <a:rPr lang="en-US" smtClean="0"/>
+              <a:rPr lang="en-US"/>
               <a:t>Click to edit Master text styles</a:t>
             </a:r>
           </a:p>
@@ -3181,7 +3161,7 @@
                 </a:solidFill>
               </a:rPr>
               <a:pPr/>
-              <a:t>3/14/2022</a:t>
+              <a:t>4/2/22</a:t>
             </a:fld>
             <a:endParaRPr lang="en-US">
               <a:solidFill>
@@ -3309,10 +3289,9 @@
           </a:lstStyle>
           <a:p>
             <a:r>
-              <a:rPr lang="en-US" smtClean="0"/>
+              <a:rPr lang="en-US"/>
               <a:t>Click to edit Master title style</a:t>
             </a:r>
-            <a:endParaRPr lang="en-US"/>
           </a:p>
         </p:txBody>
       </p:sp>
@@ -3436,7 +3415,7 @@
           <a:p>
             <a:pPr lvl="0"/>
             <a:r>
-              <a:rPr lang="en-US" smtClean="0"/>
+              <a:rPr lang="en-US"/>
               <a:t>Click to edit Master text styles</a:t>
             </a:r>
           </a:p>
@@ -3466,7 +3445,7 @@
                 </a:solidFill>
               </a:rPr>
               <a:pPr/>
-              <a:t>3/14/2022</a:t>
+              <a:t>4/2/22</a:t>
             </a:fld>
             <a:endParaRPr lang="en-US">
               <a:solidFill>
@@ -3600,10 +3579,9 @@
           <a:lstStyle/>
           <a:p>
             <a:r>
-              <a:rPr lang="en-US" smtClean="0"/>
+              <a:rPr lang="en-US"/>
               <a:t>Click to edit Master title style</a:t>
             </a:r>
-            <a:endParaRPr lang="en-US"/>
           </a:p>
         </p:txBody>
       </p:sp>
@@ -3634,38 +3612,37 @@
           <a:p>
             <a:pPr lvl="0"/>
             <a:r>
-              <a:rPr lang="en-US" smtClean="0"/>
+              <a:rPr lang="en-US"/>
               <a:t>Click to edit Master text styles</a:t>
             </a:r>
           </a:p>
           <a:p>
             <a:pPr lvl="1"/>
             <a:r>
-              <a:rPr lang="en-US" smtClean="0"/>
+              <a:rPr lang="en-US"/>
               <a:t>Second level</a:t>
             </a:r>
           </a:p>
           <a:p>
             <a:pPr lvl="2"/>
             <a:r>
-              <a:rPr lang="en-US" smtClean="0"/>
+              <a:rPr lang="en-US"/>
               <a:t>Third level</a:t>
             </a:r>
           </a:p>
           <a:p>
             <a:pPr lvl="3"/>
             <a:r>
-              <a:rPr lang="en-US" smtClean="0"/>
+              <a:rPr lang="en-US"/>
               <a:t>Fourth level</a:t>
             </a:r>
           </a:p>
           <a:p>
             <a:pPr lvl="4"/>
             <a:r>
-              <a:rPr lang="en-US" smtClean="0"/>
+              <a:rPr lang="en-US"/>
               <a:t>Fifth level</a:t>
             </a:r>
-            <a:endParaRPr lang="en-US"/>
           </a:p>
         </p:txBody>
       </p:sp>
@@ -3711,7 +3688,7 @@
                 </a:solidFill>
               </a:rPr>
               <a:pPr/>
-              <a:t>3/14/2022</a:t>
+              <a:t>4/2/22</a:t>
             </a:fld>
             <a:endParaRPr lang="en-US">
               <a:solidFill>
@@ -4128,10 +4105,9 @@
           <a:lstStyle/>
           <a:p>
             <a:r>
-              <a:rPr lang="en-IN" dirty="0" smtClean="0"/>
+              <a:rPr lang="en-IN" dirty="0"/>
               <a:t>Outlier Analysis</a:t>
             </a:r>
-            <a:endParaRPr lang="en-IN" dirty="0"/>
           </a:p>
         </p:txBody>
       </p:sp>
@@ -4145,13 +4121,6 @@
   <p:clrMapOvr>
     <a:masterClrMapping/>
   </p:clrMapOvr>
-  <p:timing>
-    <p:tnLst>
-      <p:par>
-        <p:cTn id="1" dur="indefinite" restart="never" nodeType="tmRoot"/>
-      </p:par>
-    </p:tnLst>
-  </p:timing>
 </p:sld>
 </file>
 
@@ -4172,47 +4141,15 @@
           <a:chExt cx="0" cy="0"/>
         </a:xfrm>
       </p:grpSpPr>
-      <p:sp>
-        <p:nvSpPr>
-          <p:cNvPr id="2" name="Title 1"/>
-          <p:cNvSpPr>
-            <a:spLocks noGrp="1"/>
-          </p:cNvSpPr>
-          <p:nvPr>
-            <p:ph type="title"/>
-          </p:nvPr>
-        </p:nvSpPr>
-        <p:spPr/>
-        <p:txBody>
-          <a:bodyPr/>
-          <a:lstStyle/>
-          <a:p>
-            <a:endParaRPr lang="en-IN"/>
-          </a:p>
-        </p:txBody>
-      </p:sp>
-      <p:sp>
-        <p:nvSpPr>
-          <p:cNvPr id="3" name="Content Placeholder 2"/>
-          <p:cNvSpPr>
-            <a:spLocks noGrp="1"/>
-          </p:cNvSpPr>
-          <p:nvPr>
-            <p:ph idx="1"/>
-          </p:nvPr>
-        </p:nvSpPr>
-        <p:spPr/>
-        <p:txBody>
-          <a:bodyPr/>
-          <a:lstStyle/>
-          <a:p>
-            <a:endParaRPr lang="en-IN"/>
-          </a:p>
-        </p:txBody>
-      </p:sp>
       <p:pic>
         <p:nvPicPr>
-          <p:cNvPr id="4" name="Picture 3"/>
+          <p:cNvPr id="5" name="Picture 4">
+            <a:extLst>
+              <a:ext uri="{FF2B5EF4-FFF2-40B4-BE49-F238E27FC236}">
+                <a16:creationId xmlns:a16="http://schemas.microsoft.com/office/drawing/2014/main" id="{276EECB3-34C7-0D42-91ED-797202E26DF7}"/>
+              </a:ext>
+            </a:extLst>
+          </p:cNvPr>
           <p:cNvPicPr>
             <a:picLocks noChangeAspect="1"/>
           </p:cNvPicPr>
@@ -4244,13 +4181,6 @@
   <p:clrMapOvr>
     <a:masterClrMapping/>
   </p:clrMapOvr>
-  <p:timing>
-    <p:tnLst>
-      <p:par>
-        <p:cTn id="1" dur="indefinite" restart="never" nodeType="tmRoot"/>
-      </p:par>
-    </p:tnLst>
-  </p:timing>
 </p:sld>
 </file>
 
@@ -4343,13 +4273,6 @@
   <p:clrMapOvr>
     <a:masterClrMapping/>
   </p:clrMapOvr>
-  <p:timing>
-    <p:tnLst>
-      <p:par>
-        <p:cTn id="1" dur="indefinite" restart="never" nodeType="tmRoot"/>
-      </p:par>
-    </p:tnLst>
-  </p:timing>
 </p:sld>
 </file>
 
@@ -4442,13 +4365,6 @@
   <p:clrMapOvr>
     <a:masterClrMapping/>
   </p:clrMapOvr>
-  <p:timing>
-    <p:tnLst>
-      <p:par>
-        <p:cTn id="1" dur="indefinite" restart="never" nodeType="tmRoot"/>
-      </p:par>
-    </p:tnLst>
-  </p:timing>
 </p:sld>
 </file>
 
@@ -4517,13 +4433,6 @@
   <p:clrMapOvr>
     <a:masterClrMapping/>
   </p:clrMapOvr>
-  <p:timing>
-    <p:tnLst>
-      <p:par>
-        <p:cTn id="1" dur="indefinite" restart="never" nodeType="tmRoot"/>
-      </p:par>
-    </p:tnLst>
-  </p:timing>
 </p:sld>
 </file>
 
@@ -4616,13 +4525,6 @@
   <p:clrMapOvr>
     <a:masterClrMapping/>
   </p:clrMapOvr>
-  <p:timing>
-    <p:tnLst>
-      <p:par>
-        <p:cTn id="1" dur="indefinite" restart="never" nodeType="tmRoot"/>
-      </p:par>
-    </p:tnLst>
-  </p:timing>
 </p:sld>
 </file>
 
@@ -4818,13 +4720,6 @@
   <p:clrMapOvr>
     <a:masterClrMapping/>
   </p:clrMapOvr>
-  <p:timing>
-    <p:tnLst>
-      <p:par>
-        <p:cTn id="1" dur="indefinite" restart="never" nodeType="tmRoot"/>
-      </p:par>
-    </p:tnLst>
-  </p:timing>
 </p:sld>
 </file>
 
@@ -4917,13 +4812,6 @@
   <p:clrMapOvr>
     <a:masterClrMapping/>
   </p:clrMapOvr>
-  <p:timing>
-    <p:tnLst>
-      <p:par>
-        <p:cTn id="1" dur="indefinite" restart="never" nodeType="tmRoot"/>
-      </p:par>
-    </p:tnLst>
-  </p:timing>
 </p:sld>
 </file>
 
@@ -5016,13 +4904,6 @@
   <p:clrMapOvr>
     <a:masterClrMapping/>
   </p:clrMapOvr>
-  <p:timing>
-    <p:tnLst>
-      <p:par>
-        <p:cTn id="1" dur="indefinite" restart="never" nodeType="tmRoot"/>
-      </p:par>
-    </p:tnLst>
-  </p:timing>
 </p:sld>
 </file>
 
